--- a/最終発表.pptx
+++ b/最終発表.pptx
@@ -8,6 +8,8 @@
     <p:sldId id="256" r:id="rId2"/>
     <p:sldId id="257" r:id="rId3"/>
     <p:sldId id="258" r:id="rId4"/>
+    <p:sldId id="259" r:id="rId5"/>
+    <p:sldId id="260" r:id="rId6"/>
   </p:sldIdLst>
   <p:sldSz cx="12192000" cy="6858000"/>
   <p:notesSz cx="6858000" cy="9144000"/>
@@ -106,6 +108,11 @@
       </a:defRPr>
     </a:lvl9pPr>
   </p:defaultTextStyle>
+  <p:extLst>
+    <p:ext uri="{EFAFB233-063F-42B5-8137-9DF3F51BA10A}">
+      <p15:sldGuideLst xmlns:p15="http://schemas.microsoft.com/office/powerpoint/2012/main"/>
+    </p:ext>
+  </p:extLst>
 </p:presentation>
 </file>
 
@@ -240,7 +247,7 @@
           <a:p>
             <a:fld id="{6C867605-E89D-4A4D-B84B-DEF3023F9DA0}" type="datetimeFigureOut">
               <a:rPr kumimoji="1" lang="ja-JP" altLang="en-US" smtClean="0"/>
-              <a:t>2015/7/23</a:t>
+              <a:t>2015/7/24</a:t>
             </a:fld>
             <a:endParaRPr kumimoji="1" lang="ja-JP" altLang="en-US"/>
           </a:p>
@@ -442,7 +449,7 @@
           <a:p>
             <a:fld id="{6C867605-E89D-4A4D-B84B-DEF3023F9DA0}" type="datetimeFigureOut">
               <a:rPr kumimoji="1" lang="ja-JP" altLang="en-US" smtClean="0"/>
-              <a:t>2015/7/23</a:t>
+              <a:t>2015/7/24</a:t>
             </a:fld>
             <a:endParaRPr kumimoji="1" lang="ja-JP" altLang="en-US"/>
           </a:p>
@@ -654,7 +661,7 @@
           <a:p>
             <a:fld id="{6C867605-E89D-4A4D-B84B-DEF3023F9DA0}" type="datetimeFigureOut">
               <a:rPr kumimoji="1" lang="ja-JP" altLang="en-US" smtClean="0"/>
-              <a:t>2015/7/23</a:t>
+              <a:t>2015/7/24</a:t>
             </a:fld>
             <a:endParaRPr kumimoji="1" lang="ja-JP" altLang="en-US"/>
           </a:p>
@@ -856,7 +863,7 @@
           <a:p>
             <a:fld id="{6C867605-E89D-4A4D-B84B-DEF3023F9DA0}" type="datetimeFigureOut">
               <a:rPr kumimoji="1" lang="ja-JP" altLang="en-US" smtClean="0"/>
-              <a:t>2015/7/23</a:t>
+              <a:t>2015/7/24</a:t>
             </a:fld>
             <a:endParaRPr kumimoji="1" lang="ja-JP" altLang="en-US"/>
           </a:p>
@@ -1102,7 +1109,7 @@
           <a:p>
             <a:fld id="{6C867605-E89D-4A4D-B84B-DEF3023F9DA0}" type="datetimeFigureOut">
               <a:rPr kumimoji="1" lang="ja-JP" altLang="en-US" smtClean="0"/>
-              <a:t>2015/7/23</a:t>
+              <a:t>2015/7/24</a:t>
             </a:fld>
             <a:endParaRPr kumimoji="1" lang="ja-JP" altLang="en-US"/>
           </a:p>
@@ -1398,7 +1405,7 @@
           <a:p>
             <a:fld id="{6C867605-E89D-4A4D-B84B-DEF3023F9DA0}" type="datetimeFigureOut">
               <a:rPr kumimoji="1" lang="ja-JP" altLang="en-US" smtClean="0"/>
-              <a:t>2015/7/23</a:t>
+              <a:t>2015/7/24</a:t>
             </a:fld>
             <a:endParaRPr kumimoji="1" lang="ja-JP" altLang="en-US"/>
           </a:p>
@@ -1829,7 +1836,7 @@
           <a:p>
             <a:fld id="{6C867605-E89D-4A4D-B84B-DEF3023F9DA0}" type="datetimeFigureOut">
               <a:rPr kumimoji="1" lang="ja-JP" altLang="en-US" smtClean="0"/>
-              <a:t>2015/7/23</a:t>
+              <a:t>2015/7/24</a:t>
             </a:fld>
             <a:endParaRPr kumimoji="1" lang="ja-JP" altLang="en-US"/>
           </a:p>
@@ -1947,7 +1954,7 @@
           <a:p>
             <a:fld id="{6C867605-E89D-4A4D-B84B-DEF3023F9DA0}" type="datetimeFigureOut">
               <a:rPr kumimoji="1" lang="ja-JP" altLang="en-US" smtClean="0"/>
-              <a:t>2015/7/23</a:t>
+              <a:t>2015/7/24</a:t>
             </a:fld>
             <a:endParaRPr kumimoji="1" lang="ja-JP" altLang="en-US"/>
           </a:p>
@@ -2042,7 +2049,7 @@
           <a:p>
             <a:fld id="{6C867605-E89D-4A4D-B84B-DEF3023F9DA0}" type="datetimeFigureOut">
               <a:rPr kumimoji="1" lang="ja-JP" altLang="en-US" smtClean="0"/>
-              <a:t>2015/7/23</a:t>
+              <a:t>2015/7/24</a:t>
             </a:fld>
             <a:endParaRPr kumimoji="1" lang="ja-JP" altLang="en-US"/>
           </a:p>
@@ -2351,7 +2358,7 @@
           <a:p>
             <a:fld id="{6C867605-E89D-4A4D-B84B-DEF3023F9DA0}" type="datetimeFigureOut">
               <a:rPr kumimoji="1" lang="ja-JP" altLang="en-US" smtClean="0"/>
-              <a:t>2015/7/23</a:t>
+              <a:t>2015/7/24</a:t>
             </a:fld>
             <a:endParaRPr kumimoji="1" lang="ja-JP" altLang="en-US"/>
           </a:p>
@@ -2604,7 +2611,7 @@
           <a:p>
             <a:fld id="{6C867605-E89D-4A4D-B84B-DEF3023F9DA0}" type="datetimeFigureOut">
               <a:rPr kumimoji="1" lang="ja-JP" altLang="en-US" smtClean="0"/>
-              <a:t>2015/7/23</a:t>
+              <a:t>2015/7/24</a:t>
             </a:fld>
             <a:endParaRPr kumimoji="1" lang="ja-JP" altLang="en-US"/>
           </a:p>
@@ -2849,7 +2856,7 @@
           <a:p>
             <a:fld id="{6C867605-E89D-4A4D-B84B-DEF3023F9DA0}" type="datetimeFigureOut">
               <a:rPr kumimoji="1" lang="ja-JP" altLang="en-US" smtClean="0"/>
-              <a:t>2015/7/23</a:t>
+              <a:t>2015/7/24</a:t>
             </a:fld>
             <a:endParaRPr kumimoji="1" lang="ja-JP" altLang="en-US"/>
           </a:p>
@@ -3447,39 +3454,230 @@
             <p:ph type="title"/>
           </p:nvPr>
         </p:nvSpPr>
-        <p:spPr/>
-        <p:txBody>
-          <a:bodyPr/>
-          <a:lstStyle/>
-          <a:p>
+        <p:spPr>
+          <a:xfrm>
+            <a:off x="838200" y="373363"/>
+            <a:ext cx="10515600" cy="1325563"/>
+          </a:xfrm>
+        </p:spPr>
+        <p:txBody>
+          <a:bodyPr>
+            <a:normAutofit/>
+          </a:bodyPr>
+          <a:lstStyle/>
+          <a:p>
+            <a:r>
+              <a:rPr lang="ja-JP" altLang="en-US" dirty="0">
+                <a:solidFill>
+                  <a:srgbClr val="00B0F0"/>
+                </a:solidFill>
+              </a:rPr>
+              <a:t>Ｑ</a:t>
+            </a:r>
             <a:r>
               <a:rPr lang="ja-JP" altLang="en-US" dirty="0"/>
-              <a:t>ＱＣＤ</a:t>
+              <a:t>ＣＤ</a:t>
             </a:r>
             <a:r>
               <a:rPr kumimoji="1" lang="ja-JP" altLang="en-US" dirty="0" smtClean="0"/>
               <a:t>評価</a:t>
             </a:r>
+            <a:r>
+              <a:rPr kumimoji="1" lang="en-US" altLang="ja-JP" dirty="0" smtClean="0"/>
+              <a:t/>
+            </a:r>
+            <a:br>
+              <a:rPr kumimoji="1" lang="en-US" altLang="ja-JP" dirty="0" smtClean="0"/>
+            </a:br>
+            <a:r>
+              <a:rPr lang="en-US" altLang="ja-JP" sz="3200" dirty="0">
+                <a:solidFill>
+                  <a:srgbClr val="00B0F0"/>
+                </a:solidFill>
+              </a:rPr>
+              <a:t>Quality </a:t>
+            </a:r>
+            <a:r>
+              <a:rPr lang="en-US" altLang="ja-JP" sz="3200" dirty="0" smtClean="0">
+                <a:solidFill>
+                  <a:srgbClr val="00B0F0"/>
+                </a:solidFill>
+              </a:rPr>
+              <a:t>assessment</a:t>
+            </a:r>
+            <a:endParaRPr kumimoji="1" lang="ja-JP" altLang="en-US" sz="3200" dirty="0"/>
+          </a:p>
+        </p:txBody>
+      </p:sp>
+      <p:sp>
+        <p:nvSpPr>
+          <p:cNvPr id="4" name="角丸四角形 3"/>
+          <p:cNvSpPr/>
+          <p:nvPr/>
+        </p:nvSpPr>
+        <p:spPr>
+          <a:xfrm>
+            <a:off x="1851454" y="1779372"/>
+            <a:ext cx="8454081" cy="1293341"/>
+          </a:xfrm>
+          <a:prstGeom prst="roundRect">
+            <a:avLst/>
+          </a:prstGeom>
+        </p:spPr>
+        <p:style>
+          <a:lnRef idx="2">
+            <a:schemeClr val="accent1"/>
+          </a:lnRef>
+          <a:fillRef idx="1">
+            <a:schemeClr val="lt1"/>
+          </a:fillRef>
+          <a:effectRef idx="0">
+            <a:schemeClr val="accent1"/>
+          </a:effectRef>
+          <a:fontRef idx="minor">
+            <a:schemeClr val="dk1"/>
+          </a:fontRef>
+        </p:style>
+        <p:txBody>
+          <a:bodyPr rtlCol="0" anchor="ctr"/>
+          <a:lstStyle/>
+          <a:p>
+            <a:pPr algn="ctr"/>
+            <a:r>
+              <a:rPr lang="ja-JP" altLang="ja-JP" sz="2800" dirty="0"/>
+              <a:t>品質</a:t>
+            </a:r>
+            <a:r>
+              <a:rPr lang="ja-JP" altLang="ja-JP" sz="2800" dirty="0" smtClean="0"/>
+              <a:t>目標</a:t>
+            </a:r>
+            <a:r>
+              <a:rPr lang="ja-JP" altLang="en-US" sz="2800" dirty="0"/>
+              <a:t>：</a:t>
+            </a:r>
+            <a:r>
+              <a:rPr lang="ja-JP" altLang="en-US" sz="2800" dirty="0" smtClean="0"/>
+              <a:t>システムテスト</a:t>
+            </a:r>
+            <a:r>
+              <a:rPr lang="ja-JP" altLang="en-US" sz="2800" dirty="0"/>
+              <a:t>の項目のうち８割以上</a:t>
+            </a:r>
+            <a:r>
+              <a:rPr lang="ja-JP" altLang="en-US" sz="2800" dirty="0" smtClean="0"/>
+              <a:t>を</a:t>
+            </a:r>
+            <a:endParaRPr lang="en-US" altLang="ja-JP" sz="2800" dirty="0" smtClean="0"/>
+          </a:p>
+          <a:p>
+            <a:pPr algn="ctr"/>
+            <a:r>
+              <a:rPr lang="ja-JP" altLang="en-US" sz="2800" dirty="0" smtClean="0"/>
+              <a:t>成功させること</a:t>
+            </a:r>
+            <a:endParaRPr lang="en-US" altLang="ja-JP" sz="2800" dirty="0"/>
+          </a:p>
+        </p:txBody>
+      </p:sp>
+      <p:sp>
+        <p:nvSpPr>
+          <p:cNvPr id="5" name="角丸四角形 4"/>
+          <p:cNvSpPr/>
+          <p:nvPr/>
+        </p:nvSpPr>
+        <p:spPr>
+          <a:xfrm>
+            <a:off x="1851453" y="4440194"/>
+            <a:ext cx="8454082" cy="1293341"/>
+          </a:xfrm>
+          <a:prstGeom prst="roundRect">
+            <a:avLst/>
+          </a:prstGeom>
+        </p:spPr>
+        <p:style>
+          <a:lnRef idx="2">
+            <a:schemeClr val="accent2"/>
+          </a:lnRef>
+          <a:fillRef idx="1">
+            <a:schemeClr val="lt1"/>
+          </a:fillRef>
+          <a:effectRef idx="0">
+            <a:schemeClr val="accent2"/>
+          </a:effectRef>
+          <a:fontRef idx="minor">
+            <a:schemeClr val="dk1"/>
+          </a:fontRef>
+        </p:style>
+        <p:txBody>
+          <a:bodyPr rtlCol="0" anchor="ctr"/>
+          <a:lstStyle/>
+          <a:p>
+            <a:pPr algn="ctr"/>
+            <a:r>
+              <a:rPr lang="ja-JP" altLang="ja-JP" sz="2800" dirty="0"/>
+              <a:t>テスト報告の</a:t>
+            </a:r>
+            <a:r>
+              <a:rPr lang="en-US" altLang="ja-JP" sz="2800" dirty="0"/>
+              <a:t>35</a:t>
+            </a:r>
+            <a:r>
+              <a:rPr lang="ja-JP" altLang="ja-JP" sz="2800" dirty="0"/>
+              <a:t>項目中</a:t>
+            </a:r>
+            <a:r>
+              <a:rPr lang="en-US" altLang="ja-JP" sz="2800" dirty="0"/>
+              <a:t>34</a:t>
+            </a:r>
+            <a:r>
+              <a:rPr lang="ja-JP" altLang="ja-JP" sz="2800" dirty="0"/>
+              <a:t>項目のチェックに成功</a:t>
+            </a:r>
+            <a:r>
+              <a:rPr lang="ja-JP" altLang="ja-JP" sz="2800" dirty="0" smtClean="0"/>
+              <a:t>した</a:t>
+            </a:r>
+            <a:endParaRPr kumimoji="1" lang="ja-JP" altLang="en-US" sz="2800" dirty="0"/>
+          </a:p>
+        </p:txBody>
+      </p:sp>
+      <p:sp>
+        <p:nvSpPr>
+          <p:cNvPr id="6" name="下矢印 5"/>
+          <p:cNvSpPr/>
+          <p:nvPr/>
+        </p:nvSpPr>
+        <p:spPr>
+          <a:xfrm>
+            <a:off x="5567748" y="3146854"/>
+            <a:ext cx="1021492" cy="1194487"/>
+          </a:xfrm>
+          <a:prstGeom prst="downArrow">
+            <a:avLst/>
+          </a:prstGeom>
+        </p:spPr>
+        <p:style>
+          <a:lnRef idx="2">
+            <a:schemeClr val="accent1">
+              <a:shade val="50000"/>
+            </a:schemeClr>
+          </a:lnRef>
+          <a:fillRef idx="1">
+            <a:schemeClr val="accent1"/>
+          </a:fillRef>
+          <a:effectRef idx="0">
+            <a:schemeClr val="accent1"/>
+          </a:effectRef>
+          <a:fontRef idx="minor">
+            <a:schemeClr val="lt1"/>
+          </a:fontRef>
+        </p:style>
+        <p:txBody>
+          <a:bodyPr rtlCol="0" anchor="ctr"/>
+          <a:lstStyle/>
+          <a:p>
+            <a:pPr algn="ctr"/>
             <a:endParaRPr kumimoji="1" lang="ja-JP" altLang="en-US" dirty="0"/>
-          </a:p>
-        </p:txBody>
-      </p:sp>
-      <p:sp>
-        <p:nvSpPr>
-          <p:cNvPr id="3" name="コンテンツ プレースホルダー 2"/>
-          <p:cNvSpPr>
-            <a:spLocks noGrp="1"/>
-          </p:cNvSpPr>
-          <p:nvPr>
-            <p:ph idx="1"/>
-          </p:nvPr>
-        </p:nvSpPr>
-        <p:spPr/>
-        <p:txBody>
-          <a:bodyPr/>
-          <a:lstStyle/>
-          <a:p>
-            <a:endParaRPr kumimoji="1" lang="ja-JP" altLang="en-US"/>
           </a:p>
         </p:txBody>
       </p:sp>
@@ -3487,6 +3685,586 @@
     <p:extLst>
       <p:ext uri="{BB962C8B-B14F-4D97-AF65-F5344CB8AC3E}">
         <p14:creationId xmlns:p14="http://schemas.microsoft.com/office/powerpoint/2010/main" val="2053477789"/>
+      </p:ext>
+    </p:extLst>
+  </p:cSld>
+  <p:clrMapOvr>
+    <a:masterClrMapping/>
+  </p:clrMapOvr>
+</p:sld>
+</file>
+
+<file path=ppt/slides/slide4.xml><?xml version="1.0" encoding="utf-8"?>
+<p:sld xmlns:a="http://schemas.openxmlformats.org/drawingml/2006/main" xmlns:r="http://schemas.openxmlformats.org/officeDocument/2006/relationships" xmlns:p="http://schemas.openxmlformats.org/presentationml/2006/main">
+  <p:cSld>
+    <p:spTree>
+      <p:nvGrpSpPr>
+        <p:cNvPr id="1" name=""/>
+        <p:cNvGrpSpPr/>
+        <p:nvPr/>
+      </p:nvGrpSpPr>
+      <p:grpSpPr>
+        <a:xfrm>
+          <a:off x="0" y="0"/>
+          <a:ext cx="0" cy="0"/>
+          <a:chOff x="0" y="0"/>
+          <a:chExt cx="0" cy="0"/>
+        </a:xfrm>
+      </p:grpSpPr>
+      <p:sp>
+        <p:nvSpPr>
+          <p:cNvPr id="2" name="タイトル 1"/>
+          <p:cNvSpPr>
+            <a:spLocks noGrp="1"/>
+          </p:cNvSpPr>
+          <p:nvPr>
+            <p:ph type="title"/>
+          </p:nvPr>
+        </p:nvSpPr>
+        <p:spPr/>
+        <p:txBody>
+          <a:bodyPr>
+            <a:normAutofit/>
+          </a:bodyPr>
+          <a:lstStyle/>
+          <a:p>
+            <a:r>
+              <a:rPr lang="ja-JP" altLang="en-US" dirty="0">
+                <a:solidFill>
+                  <a:srgbClr val="00B0F0"/>
+                </a:solidFill>
+              </a:rPr>
+              <a:t>Ｑ</a:t>
+            </a:r>
+            <a:r>
+              <a:rPr lang="ja-JP" altLang="en-US" dirty="0"/>
+              <a:t>ＣＤ</a:t>
+            </a:r>
+            <a:r>
+              <a:rPr kumimoji="1" lang="ja-JP" altLang="en-US" dirty="0" smtClean="0"/>
+              <a:t>評価</a:t>
+            </a:r>
+            <a:r>
+              <a:rPr kumimoji="1" lang="en-US" altLang="ja-JP" dirty="0" smtClean="0"/>
+              <a:t/>
+            </a:r>
+            <a:br>
+              <a:rPr kumimoji="1" lang="en-US" altLang="ja-JP" dirty="0" smtClean="0"/>
+            </a:br>
+            <a:r>
+              <a:rPr lang="en-US" altLang="ja-JP" sz="3200" dirty="0">
+                <a:solidFill>
+                  <a:srgbClr val="00B0F0"/>
+                </a:solidFill>
+              </a:rPr>
+              <a:t>Quality </a:t>
+            </a:r>
+            <a:r>
+              <a:rPr lang="en-US" altLang="ja-JP" sz="3200" dirty="0" smtClean="0">
+                <a:solidFill>
+                  <a:srgbClr val="00B0F0"/>
+                </a:solidFill>
+              </a:rPr>
+              <a:t>assessment</a:t>
+            </a:r>
+            <a:endParaRPr kumimoji="1" lang="ja-JP" altLang="en-US" sz="3200" dirty="0"/>
+          </a:p>
+        </p:txBody>
+      </p:sp>
+      <p:sp>
+        <p:nvSpPr>
+          <p:cNvPr id="3" name="円形吹き出し 2"/>
+          <p:cNvSpPr/>
+          <p:nvPr/>
+        </p:nvSpPr>
+        <p:spPr>
+          <a:xfrm>
+            <a:off x="329514" y="1634955"/>
+            <a:ext cx="2051221" cy="885824"/>
+          </a:xfrm>
+          <a:prstGeom prst="wedgeEllipseCallout">
+            <a:avLst>
+              <a:gd name="adj1" fmla="val 22748"/>
+              <a:gd name="adj2" fmla="val 67464"/>
+            </a:avLst>
+          </a:prstGeom>
+        </p:spPr>
+        <p:style>
+          <a:lnRef idx="2">
+            <a:schemeClr val="accent2">
+              <a:shade val="50000"/>
+            </a:schemeClr>
+          </a:lnRef>
+          <a:fillRef idx="1">
+            <a:schemeClr val="accent2"/>
+          </a:fillRef>
+          <a:effectRef idx="0">
+            <a:schemeClr val="accent2"/>
+          </a:effectRef>
+          <a:fontRef idx="minor">
+            <a:schemeClr val="lt1"/>
+          </a:fontRef>
+        </p:style>
+        <p:txBody>
+          <a:bodyPr rtlCol="0" anchor="ctr"/>
+          <a:lstStyle/>
+          <a:p>
+            <a:pPr algn="ctr"/>
+            <a:r>
+              <a:rPr kumimoji="1" lang="ja-JP" altLang="en-US" sz="2400" dirty="0" smtClean="0"/>
+              <a:t>しかし</a:t>
+            </a:r>
+            <a:r>
+              <a:rPr kumimoji="1" lang="en-US" altLang="ja-JP" sz="2400" dirty="0" smtClean="0"/>
+              <a:t>……</a:t>
+            </a:r>
+            <a:endParaRPr kumimoji="1" lang="ja-JP" altLang="en-US" sz="2400" dirty="0"/>
+          </a:p>
+        </p:txBody>
+      </p:sp>
+      <p:sp>
+        <p:nvSpPr>
+          <p:cNvPr id="7" name="角丸四角形 6"/>
+          <p:cNvSpPr/>
+          <p:nvPr/>
+        </p:nvSpPr>
+        <p:spPr>
+          <a:xfrm>
+            <a:off x="1860721" y="2751437"/>
+            <a:ext cx="8454081" cy="1293341"/>
+          </a:xfrm>
+          <a:prstGeom prst="roundRect">
+            <a:avLst/>
+          </a:prstGeom>
+        </p:spPr>
+        <p:style>
+          <a:lnRef idx="2">
+            <a:schemeClr val="accent1"/>
+          </a:lnRef>
+          <a:fillRef idx="1">
+            <a:schemeClr val="lt1"/>
+          </a:fillRef>
+          <a:effectRef idx="0">
+            <a:schemeClr val="accent1"/>
+          </a:effectRef>
+          <a:fontRef idx="minor">
+            <a:schemeClr val="dk1"/>
+          </a:fontRef>
+        </p:style>
+        <p:txBody>
+          <a:bodyPr rtlCol="0" anchor="ctr"/>
+          <a:lstStyle/>
+          <a:p>
+            <a:pPr algn="ctr"/>
+            <a:r>
+              <a:rPr lang="ja-JP" altLang="en-US" sz="2800" dirty="0" smtClean="0"/>
+              <a:t>ユーザビリティの面では品質が高いとはいえない</a:t>
+            </a:r>
+            <a:endParaRPr lang="en-US" altLang="ja-JP" sz="2800" dirty="0" smtClean="0"/>
+          </a:p>
+        </p:txBody>
+      </p:sp>
+      <p:sp>
+        <p:nvSpPr>
+          <p:cNvPr id="14" name="角丸四角形 13"/>
+          <p:cNvSpPr/>
+          <p:nvPr/>
+        </p:nvSpPr>
+        <p:spPr>
+          <a:xfrm>
+            <a:off x="1860721" y="5049794"/>
+            <a:ext cx="8454082" cy="1293341"/>
+          </a:xfrm>
+          <a:prstGeom prst="roundRect">
+            <a:avLst/>
+          </a:prstGeom>
+        </p:spPr>
+        <p:style>
+          <a:lnRef idx="2">
+            <a:schemeClr val="accent2"/>
+          </a:lnRef>
+          <a:fillRef idx="1">
+            <a:schemeClr val="lt1"/>
+          </a:fillRef>
+          <a:effectRef idx="0">
+            <a:schemeClr val="accent2"/>
+          </a:effectRef>
+          <a:fontRef idx="minor">
+            <a:schemeClr val="dk1"/>
+          </a:fontRef>
+        </p:style>
+        <p:txBody>
+          <a:bodyPr rtlCol="0" anchor="ctr"/>
+          <a:lstStyle/>
+          <a:p>
+            <a:pPr algn="ctr"/>
+            <a:r>
+              <a:rPr kumimoji="1" lang="ja-JP" altLang="en-US" sz="2800" dirty="0" smtClean="0"/>
+              <a:t>本システムは高齢者の方が使用する可能性が高い</a:t>
+            </a:r>
+            <a:endParaRPr kumimoji="1" lang="ja-JP" altLang="en-US" sz="2800" dirty="0"/>
+          </a:p>
+        </p:txBody>
+      </p:sp>
+      <p:sp>
+        <p:nvSpPr>
+          <p:cNvPr id="15" name="下矢印 14"/>
+          <p:cNvSpPr/>
+          <p:nvPr/>
+        </p:nvSpPr>
+        <p:spPr>
+          <a:xfrm>
+            <a:off x="5564658" y="4110680"/>
+            <a:ext cx="1046206" cy="873211"/>
+          </a:xfrm>
+          <a:prstGeom prst="downArrow">
+            <a:avLst/>
+          </a:prstGeom>
+        </p:spPr>
+        <p:style>
+          <a:lnRef idx="2">
+            <a:schemeClr val="accent1">
+              <a:shade val="50000"/>
+            </a:schemeClr>
+          </a:lnRef>
+          <a:fillRef idx="1">
+            <a:schemeClr val="accent1"/>
+          </a:fillRef>
+          <a:effectRef idx="0">
+            <a:schemeClr val="accent1"/>
+          </a:effectRef>
+          <a:fontRef idx="minor">
+            <a:schemeClr val="lt1"/>
+          </a:fontRef>
+        </p:style>
+        <p:txBody>
+          <a:bodyPr rtlCol="0" anchor="ctr"/>
+          <a:lstStyle/>
+          <a:p>
+            <a:pPr algn="ctr"/>
+            <a:endParaRPr kumimoji="1" lang="ja-JP" altLang="en-US"/>
+          </a:p>
+        </p:txBody>
+      </p:sp>
+      <p:sp>
+        <p:nvSpPr>
+          <p:cNvPr id="16" name="テキスト ボックス 15"/>
+          <p:cNvSpPr txBox="1"/>
+          <p:nvPr/>
+        </p:nvSpPr>
+        <p:spPr>
+          <a:xfrm>
+            <a:off x="5692345" y="4462845"/>
+            <a:ext cx="1655805" cy="369332"/>
+          </a:xfrm>
+          <a:prstGeom prst="rect">
+            <a:avLst/>
+          </a:prstGeom>
+          <a:noFill/>
+        </p:spPr>
+        <p:txBody>
+          <a:bodyPr wrap="square" rtlCol="0">
+            <a:spAutoFit/>
+          </a:bodyPr>
+          <a:lstStyle/>
+          <a:p>
+            <a:r>
+              <a:rPr kumimoji="1" lang="ja-JP" altLang="en-US" dirty="0" smtClean="0">
+                <a:solidFill>
+                  <a:schemeClr val="bg1"/>
+                </a:solidFill>
+              </a:rPr>
+              <a:t>なぜ？</a:t>
+            </a:r>
+            <a:endParaRPr kumimoji="1" lang="ja-JP" altLang="en-US" dirty="0">
+              <a:solidFill>
+                <a:schemeClr val="bg1"/>
+              </a:solidFill>
+            </a:endParaRPr>
+          </a:p>
+        </p:txBody>
+      </p:sp>
+    </p:spTree>
+    <p:extLst>
+      <p:ext uri="{BB962C8B-B14F-4D97-AF65-F5344CB8AC3E}">
+        <p14:creationId xmlns:p14="http://schemas.microsoft.com/office/powerpoint/2010/main" val="4177067601"/>
+      </p:ext>
+    </p:extLst>
+  </p:cSld>
+  <p:clrMapOvr>
+    <a:masterClrMapping/>
+  </p:clrMapOvr>
+</p:sld>
+</file>
+
+<file path=ppt/slides/slide5.xml><?xml version="1.0" encoding="utf-8"?>
+<p:sld xmlns:a="http://schemas.openxmlformats.org/drawingml/2006/main" xmlns:r="http://schemas.openxmlformats.org/officeDocument/2006/relationships" xmlns:p="http://schemas.openxmlformats.org/presentationml/2006/main">
+  <p:cSld>
+    <p:spTree>
+      <p:nvGrpSpPr>
+        <p:cNvPr id="1" name=""/>
+        <p:cNvGrpSpPr/>
+        <p:nvPr/>
+      </p:nvGrpSpPr>
+      <p:grpSpPr>
+        <a:xfrm>
+          <a:off x="0" y="0"/>
+          <a:ext cx="0" cy="0"/>
+          <a:chOff x="0" y="0"/>
+          <a:chExt cx="0" cy="0"/>
+        </a:xfrm>
+      </p:grpSpPr>
+      <p:sp>
+        <p:nvSpPr>
+          <p:cNvPr id="2" name="タイトル 1"/>
+          <p:cNvSpPr>
+            <a:spLocks noGrp="1"/>
+          </p:cNvSpPr>
+          <p:nvPr>
+            <p:ph type="title"/>
+          </p:nvPr>
+        </p:nvSpPr>
+        <p:spPr/>
+        <p:txBody>
+          <a:bodyPr>
+            <a:normAutofit/>
+          </a:bodyPr>
+          <a:lstStyle/>
+          <a:p>
+            <a:r>
+              <a:rPr lang="ja-JP" altLang="en-US" dirty="0">
+                <a:solidFill>
+                  <a:srgbClr val="00B0F0"/>
+                </a:solidFill>
+              </a:rPr>
+              <a:t>Ｑ</a:t>
+            </a:r>
+            <a:r>
+              <a:rPr lang="ja-JP" altLang="en-US" dirty="0"/>
+              <a:t>ＣＤ</a:t>
+            </a:r>
+            <a:r>
+              <a:rPr kumimoji="1" lang="ja-JP" altLang="en-US" dirty="0" smtClean="0"/>
+              <a:t>評価</a:t>
+            </a:r>
+            <a:r>
+              <a:rPr kumimoji="1" lang="en-US" altLang="ja-JP" dirty="0" smtClean="0"/>
+              <a:t/>
+            </a:r>
+            <a:br>
+              <a:rPr kumimoji="1" lang="en-US" altLang="ja-JP" dirty="0" smtClean="0"/>
+            </a:br>
+            <a:r>
+              <a:rPr lang="en-US" altLang="ja-JP" sz="3200" dirty="0">
+                <a:solidFill>
+                  <a:srgbClr val="00B0F0"/>
+                </a:solidFill>
+              </a:rPr>
+              <a:t>Quality </a:t>
+            </a:r>
+            <a:r>
+              <a:rPr lang="en-US" altLang="ja-JP" sz="3200" dirty="0" smtClean="0">
+                <a:solidFill>
+                  <a:srgbClr val="00B0F0"/>
+                </a:solidFill>
+              </a:rPr>
+              <a:t>assessment</a:t>
+            </a:r>
+            <a:endParaRPr kumimoji="1" lang="ja-JP" altLang="en-US" sz="3200" dirty="0"/>
+          </a:p>
+        </p:txBody>
+      </p:sp>
+      <p:sp>
+        <p:nvSpPr>
+          <p:cNvPr id="6" name="角丸四角形 5"/>
+          <p:cNvSpPr/>
+          <p:nvPr/>
+        </p:nvSpPr>
+        <p:spPr>
+          <a:xfrm>
+            <a:off x="1851454" y="1779372"/>
+            <a:ext cx="8454081" cy="1293341"/>
+          </a:xfrm>
+          <a:prstGeom prst="roundRect">
+            <a:avLst/>
+          </a:prstGeom>
+        </p:spPr>
+        <p:style>
+          <a:lnRef idx="2">
+            <a:schemeClr val="accent1"/>
+          </a:lnRef>
+          <a:fillRef idx="1">
+            <a:schemeClr val="lt1"/>
+          </a:fillRef>
+          <a:effectRef idx="0">
+            <a:schemeClr val="accent1"/>
+          </a:effectRef>
+          <a:fontRef idx="minor">
+            <a:schemeClr val="dk1"/>
+          </a:fontRef>
+        </p:style>
+        <p:txBody>
+          <a:bodyPr rtlCol="0" anchor="ctr"/>
+          <a:lstStyle/>
+          <a:p>
+            <a:pPr algn="ctr"/>
+            <a:r>
+              <a:rPr lang="ja-JP" altLang="en-US" sz="2800" dirty="0" smtClean="0"/>
+              <a:t>アクセシビリティ向上を図る</a:t>
+            </a:r>
+            <a:endParaRPr lang="en-US" altLang="ja-JP" sz="2800" dirty="0" smtClean="0"/>
+          </a:p>
+          <a:p>
+            <a:pPr algn="ctr"/>
+            <a:r>
+              <a:rPr lang="en-US" altLang="ja-JP" sz="2000" dirty="0" smtClean="0"/>
+              <a:t>※</a:t>
+            </a:r>
+            <a:r>
+              <a:rPr lang="ja-JP" altLang="en-US" sz="2000" dirty="0" smtClean="0"/>
+              <a:t>アクセシビリティ：ハンディを持つ人にとってどの程度利用しやすいか</a:t>
+            </a:r>
+            <a:endParaRPr lang="en-US" altLang="ja-JP" sz="2000" dirty="0"/>
+          </a:p>
+        </p:txBody>
+      </p:sp>
+      <p:sp>
+        <p:nvSpPr>
+          <p:cNvPr id="11" name="円形吹き出し 10"/>
+          <p:cNvSpPr/>
+          <p:nvPr/>
+        </p:nvSpPr>
+        <p:spPr>
+          <a:xfrm>
+            <a:off x="164757" y="1690688"/>
+            <a:ext cx="1521940" cy="1161535"/>
+          </a:xfrm>
+          <a:prstGeom prst="wedgeEllipseCallout">
+            <a:avLst>
+              <a:gd name="adj1" fmla="val 55766"/>
+              <a:gd name="adj2" fmla="val 40514"/>
+            </a:avLst>
+          </a:prstGeom>
+        </p:spPr>
+        <p:style>
+          <a:lnRef idx="2">
+            <a:schemeClr val="accent2">
+              <a:shade val="50000"/>
+            </a:schemeClr>
+          </a:lnRef>
+          <a:fillRef idx="1">
+            <a:schemeClr val="accent2"/>
+          </a:fillRef>
+          <a:effectRef idx="0">
+            <a:schemeClr val="accent2"/>
+          </a:effectRef>
+          <a:fontRef idx="minor">
+            <a:schemeClr val="lt1"/>
+          </a:fontRef>
+        </p:style>
+        <p:txBody>
+          <a:bodyPr rtlCol="0" anchor="ctr"/>
+          <a:lstStyle/>
+          <a:p>
+            <a:pPr algn="ctr"/>
+            <a:r>
+              <a:rPr kumimoji="1" lang="ja-JP" altLang="en-US" sz="2400" dirty="0" smtClean="0"/>
+              <a:t>なので</a:t>
+            </a:r>
+            <a:endParaRPr kumimoji="1" lang="ja-JP" altLang="en-US" sz="2400" dirty="0"/>
+          </a:p>
+        </p:txBody>
+      </p:sp>
+      <p:sp>
+        <p:nvSpPr>
+          <p:cNvPr id="12" name="角丸四角形 11"/>
+          <p:cNvSpPr/>
+          <p:nvPr/>
+        </p:nvSpPr>
+        <p:spPr>
+          <a:xfrm>
+            <a:off x="1851453" y="4440194"/>
+            <a:ext cx="8454082" cy="1293341"/>
+          </a:xfrm>
+          <a:prstGeom prst="roundRect">
+            <a:avLst/>
+          </a:prstGeom>
+        </p:spPr>
+        <p:style>
+          <a:lnRef idx="2">
+            <a:schemeClr val="accent2"/>
+          </a:lnRef>
+          <a:fillRef idx="1">
+            <a:schemeClr val="lt1"/>
+          </a:fillRef>
+          <a:effectRef idx="0">
+            <a:schemeClr val="accent2"/>
+          </a:effectRef>
+          <a:fontRef idx="minor">
+            <a:schemeClr val="dk1"/>
+          </a:fontRef>
+        </p:style>
+        <p:txBody>
+          <a:bodyPr rtlCol="0" anchor="ctr"/>
+          <a:lstStyle/>
+          <a:p>
+            <a:pPr algn="ctr"/>
+            <a:r>
+              <a:rPr kumimoji="1" lang="en-US" altLang="ja-JP" sz="2800" dirty="0" smtClean="0"/>
+              <a:t>WCAG</a:t>
+            </a:r>
+            <a:r>
+              <a:rPr kumimoji="1" lang="ja-JP" altLang="en-US" sz="2800" dirty="0" smtClean="0"/>
+              <a:t>に則ったアクセシビリティチェックリストの使用</a:t>
+            </a:r>
+            <a:endParaRPr kumimoji="1" lang="ja-JP" altLang="en-US" sz="2800" dirty="0"/>
+          </a:p>
+        </p:txBody>
+      </p:sp>
+      <p:sp>
+        <p:nvSpPr>
+          <p:cNvPr id="13" name="下矢印 12"/>
+          <p:cNvSpPr/>
+          <p:nvPr/>
+        </p:nvSpPr>
+        <p:spPr>
+          <a:xfrm>
+            <a:off x="5567748" y="3146854"/>
+            <a:ext cx="1021492" cy="1194487"/>
+          </a:xfrm>
+          <a:prstGeom prst="downArrow">
+            <a:avLst/>
+          </a:prstGeom>
+        </p:spPr>
+        <p:style>
+          <a:lnRef idx="2">
+            <a:schemeClr val="accent1">
+              <a:shade val="50000"/>
+            </a:schemeClr>
+          </a:lnRef>
+          <a:fillRef idx="1">
+            <a:schemeClr val="accent1"/>
+          </a:fillRef>
+          <a:effectRef idx="0">
+            <a:schemeClr val="accent1"/>
+          </a:effectRef>
+          <a:fontRef idx="minor">
+            <a:schemeClr val="lt1"/>
+          </a:fontRef>
+        </p:style>
+        <p:txBody>
+          <a:bodyPr rtlCol="0" anchor="ctr"/>
+          <a:lstStyle/>
+          <a:p>
+            <a:pPr algn="ctr"/>
+            <a:endParaRPr kumimoji="1" lang="ja-JP" altLang="en-US"/>
+          </a:p>
+        </p:txBody>
+      </p:sp>
+    </p:spTree>
+    <p:extLst>
+      <p:ext uri="{BB962C8B-B14F-4D97-AF65-F5344CB8AC3E}">
+        <p14:creationId xmlns:p14="http://schemas.microsoft.com/office/powerpoint/2010/main" val="2924618613"/>
       </p:ext>
     </p:extLst>
   </p:cSld>
